--- a/Mechanics design document.pptx
+++ b/Mechanics design document.pptx
@@ -277,7 +277,7 @@
           <a:p>
             <a:fld id="{82825D99-0552-4D24-87B0-05A25F8D4113}" type="datetimeFigureOut">
               <a:rPr lang="en-GB" smtClean="0"/>
-              <a:t>01/02/2024</a:t>
+              <a:t>09/02/2024</a:t>
             </a:fld>
             <a:endParaRPr lang="en-GB"/>
           </a:p>
@@ -475,7 +475,7 @@
           <a:p>
             <a:fld id="{82825D99-0552-4D24-87B0-05A25F8D4113}" type="datetimeFigureOut">
               <a:rPr lang="en-GB" smtClean="0"/>
-              <a:t>01/02/2024</a:t>
+              <a:t>09/02/2024</a:t>
             </a:fld>
             <a:endParaRPr lang="en-GB"/>
           </a:p>
@@ -683,7 +683,7 @@
           <a:p>
             <a:fld id="{82825D99-0552-4D24-87B0-05A25F8D4113}" type="datetimeFigureOut">
               <a:rPr lang="en-GB" smtClean="0"/>
-              <a:t>01/02/2024</a:t>
+              <a:t>09/02/2024</a:t>
             </a:fld>
             <a:endParaRPr lang="en-GB"/>
           </a:p>
@@ -881,7 +881,7 @@
           <a:p>
             <a:fld id="{82825D99-0552-4D24-87B0-05A25F8D4113}" type="datetimeFigureOut">
               <a:rPr lang="en-GB" smtClean="0"/>
-              <a:t>01/02/2024</a:t>
+              <a:t>09/02/2024</a:t>
             </a:fld>
             <a:endParaRPr lang="en-GB"/>
           </a:p>
@@ -1156,7 +1156,7 @@
           <a:p>
             <a:fld id="{82825D99-0552-4D24-87B0-05A25F8D4113}" type="datetimeFigureOut">
               <a:rPr lang="en-GB" smtClean="0"/>
-              <a:t>01/02/2024</a:t>
+              <a:t>09/02/2024</a:t>
             </a:fld>
             <a:endParaRPr lang="en-GB"/>
           </a:p>
@@ -1421,7 +1421,7 @@
           <a:p>
             <a:fld id="{82825D99-0552-4D24-87B0-05A25F8D4113}" type="datetimeFigureOut">
               <a:rPr lang="en-GB" smtClean="0"/>
-              <a:t>01/02/2024</a:t>
+              <a:t>09/02/2024</a:t>
             </a:fld>
             <a:endParaRPr lang="en-GB"/>
           </a:p>
@@ -1833,7 +1833,7 @@
           <a:p>
             <a:fld id="{82825D99-0552-4D24-87B0-05A25F8D4113}" type="datetimeFigureOut">
               <a:rPr lang="en-GB" smtClean="0"/>
-              <a:t>01/02/2024</a:t>
+              <a:t>09/02/2024</a:t>
             </a:fld>
             <a:endParaRPr lang="en-GB"/>
           </a:p>
@@ -1974,7 +1974,7 @@
           <a:p>
             <a:fld id="{82825D99-0552-4D24-87B0-05A25F8D4113}" type="datetimeFigureOut">
               <a:rPr lang="en-GB" smtClean="0"/>
-              <a:t>01/02/2024</a:t>
+              <a:t>09/02/2024</a:t>
             </a:fld>
             <a:endParaRPr lang="en-GB"/>
           </a:p>
@@ -2087,7 +2087,7 @@
           <a:p>
             <a:fld id="{82825D99-0552-4D24-87B0-05A25F8D4113}" type="datetimeFigureOut">
               <a:rPr lang="en-GB" smtClean="0"/>
-              <a:t>01/02/2024</a:t>
+              <a:t>09/02/2024</a:t>
             </a:fld>
             <a:endParaRPr lang="en-GB"/>
           </a:p>
@@ -2398,7 +2398,7 @@
           <a:p>
             <a:fld id="{82825D99-0552-4D24-87B0-05A25F8D4113}" type="datetimeFigureOut">
               <a:rPr lang="en-GB" smtClean="0"/>
-              <a:t>01/02/2024</a:t>
+              <a:t>09/02/2024</a:t>
             </a:fld>
             <a:endParaRPr lang="en-GB"/>
           </a:p>
@@ -2686,7 +2686,7 @@
           <a:p>
             <a:fld id="{82825D99-0552-4D24-87B0-05A25F8D4113}" type="datetimeFigureOut">
               <a:rPr lang="en-GB" smtClean="0"/>
-              <a:t>01/02/2024</a:t>
+              <a:t>09/02/2024</a:t>
             </a:fld>
             <a:endParaRPr lang="en-GB"/>
           </a:p>
@@ -2927,7 +2927,7 @@
           <a:p>
             <a:fld id="{82825D99-0552-4D24-87B0-05A25F8D4113}" type="datetimeFigureOut">
               <a:rPr lang="en-GB" smtClean="0"/>
-              <a:t>01/02/2024</a:t>
+              <a:t>09/02/2024</a:t>
             </a:fld>
             <a:endParaRPr lang="en-GB"/>
           </a:p>
@@ -9573,6 +9573,91 @@
           <a:chExt cx="0" cy="0"/>
         </a:xfrm>
       </p:grpSpPr>
+      <p:pic>
+        <p:nvPicPr>
+          <p:cNvPr id="3" name="Picture 2" descr="A black and green dotted map&#10;&#10;Description automatically generated">
+            <a:extLst>
+              <a:ext uri="{FF2B5EF4-FFF2-40B4-BE49-F238E27FC236}">
+                <a16:creationId xmlns:a16="http://schemas.microsoft.com/office/drawing/2014/main" id="{2E536DDC-CDA4-7ACE-72ED-3978F2EB9B11}"/>
+              </a:ext>
+            </a:extLst>
+          </p:cNvPr>
+          <p:cNvPicPr>
+            <a:picLocks noChangeAspect="1"/>
+          </p:cNvPicPr>
+          <p:nvPr/>
+        </p:nvPicPr>
+        <p:blipFill>
+          <a:blip r:embed="rId2">
+            <a:extLst>
+              <a:ext uri="{28A0092B-C50C-407E-A947-70E740481C1C}">
+                <a14:useLocalDpi xmlns:a14="http://schemas.microsoft.com/office/drawing/2010/main" val="0"/>
+              </a:ext>
+            </a:extLst>
+          </a:blip>
+          <a:stretch>
+            <a:fillRect/>
+          </a:stretch>
+        </p:blipFill>
+        <p:spPr>
+          <a:xfrm>
+            <a:off x="0" y="1306285"/>
+            <a:ext cx="12192000" cy="3897814"/>
+          </a:xfrm>
+          <a:prstGeom prst="rect">
+            <a:avLst/>
+          </a:prstGeom>
+        </p:spPr>
+      </p:pic>
+      <p:sp>
+        <p:nvSpPr>
+          <p:cNvPr id="4" name="Rectangle: Rounded Corners 3">
+            <a:extLst>
+              <a:ext uri="{FF2B5EF4-FFF2-40B4-BE49-F238E27FC236}">
+                <a16:creationId xmlns:a16="http://schemas.microsoft.com/office/drawing/2014/main" id="{76ABC5B3-C78C-A75F-5748-F1B3807D89B1}"/>
+              </a:ext>
+            </a:extLst>
+          </p:cNvPr>
+          <p:cNvSpPr/>
+          <p:nvPr/>
+        </p:nvSpPr>
+        <p:spPr>
+          <a:xfrm>
+            <a:off x="127372" y="89375"/>
+            <a:ext cx="1869208" cy="320040"/>
+          </a:xfrm>
+          <a:prstGeom prst="roundRect">
+            <a:avLst/>
+          </a:prstGeom>
+        </p:spPr>
+        <p:style>
+          <a:lnRef idx="2">
+            <a:schemeClr val="dk1">
+              <a:shade val="15000"/>
+            </a:schemeClr>
+          </a:lnRef>
+          <a:fillRef idx="1">
+            <a:schemeClr val="dk1"/>
+          </a:fillRef>
+          <a:effectRef idx="0">
+            <a:schemeClr val="dk1"/>
+          </a:effectRef>
+          <a:fontRef idx="minor">
+            <a:schemeClr val="lt1"/>
+          </a:fontRef>
+        </p:style>
+        <p:txBody>
+          <a:bodyPr rtlCol="0" anchor="ctr"/>
+          <a:lstStyle/>
+          <a:p>
+            <a:pPr algn="ctr"/>
+            <a:r>
+              <a:rPr lang="en-GB" sz="1600" dirty="0"/>
+              <a:t>Map</a:t>
+            </a:r>
+          </a:p>
+        </p:txBody>
+      </p:sp>
     </p:spTree>
     <p:extLst>
       <p:ext uri="{BB962C8B-B14F-4D97-AF65-F5344CB8AC3E}">

--- a/Mechanics design document.pptx
+++ b/Mechanics design document.pptx
@@ -277,7 +277,7 @@
           <a:p>
             <a:fld id="{82825D99-0552-4D24-87B0-05A25F8D4113}" type="datetimeFigureOut">
               <a:rPr lang="en-GB" smtClean="0"/>
-              <a:t>09/02/2024</a:t>
+              <a:t>28/02/2024</a:t>
             </a:fld>
             <a:endParaRPr lang="en-GB"/>
           </a:p>
@@ -475,7 +475,7 @@
           <a:p>
             <a:fld id="{82825D99-0552-4D24-87B0-05A25F8D4113}" type="datetimeFigureOut">
               <a:rPr lang="en-GB" smtClean="0"/>
-              <a:t>09/02/2024</a:t>
+              <a:t>28/02/2024</a:t>
             </a:fld>
             <a:endParaRPr lang="en-GB"/>
           </a:p>
@@ -683,7 +683,7 @@
           <a:p>
             <a:fld id="{82825D99-0552-4D24-87B0-05A25F8D4113}" type="datetimeFigureOut">
               <a:rPr lang="en-GB" smtClean="0"/>
-              <a:t>09/02/2024</a:t>
+              <a:t>28/02/2024</a:t>
             </a:fld>
             <a:endParaRPr lang="en-GB"/>
           </a:p>
@@ -881,7 +881,7 @@
           <a:p>
             <a:fld id="{82825D99-0552-4D24-87B0-05A25F8D4113}" type="datetimeFigureOut">
               <a:rPr lang="en-GB" smtClean="0"/>
-              <a:t>09/02/2024</a:t>
+              <a:t>28/02/2024</a:t>
             </a:fld>
             <a:endParaRPr lang="en-GB"/>
           </a:p>
@@ -1156,7 +1156,7 @@
           <a:p>
             <a:fld id="{82825D99-0552-4D24-87B0-05A25F8D4113}" type="datetimeFigureOut">
               <a:rPr lang="en-GB" smtClean="0"/>
-              <a:t>09/02/2024</a:t>
+              <a:t>28/02/2024</a:t>
             </a:fld>
             <a:endParaRPr lang="en-GB"/>
           </a:p>
@@ -1421,7 +1421,7 @@
           <a:p>
             <a:fld id="{82825D99-0552-4D24-87B0-05A25F8D4113}" type="datetimeFigureOut">
               <a:rPr lang="en-GB" smtClean="0"/>
-              <a:t>09/02/2024</a:t>
+              <a:t>28/02/2024</a:t>
             </a:fld>
             <a:endParaRPr lang="en-GB"/>
           </a:p>
@@ -1833,7 +1833,7 @@
           <a:p>
             <a:fld id="{82825D99-0552-4D24-87B0-05A25F8D4113}" type="datetimeFigureOut">
               <a:rPr lang="en-GB" smtClean="0"/>
-              <a:t>09/02/2024</a:t>
+              <a:t>28/02/2024</a:t>
             </a:fld>
             <a:endParaRPr lang="en-GB"/>
           </a:p>
@@ -1974,7 +1974,7 @@
           <a:p>
             <a:fld id="{82825D99-0552-4D24-87B0-05A25F8D4113}" type="datetimeFigureOut">
               <a:rPr lang="en-GB" smtClean="0"/>
-              <a:t>09/02/2024</a:t>
+              <a:t>28/02/2024</a:t>
             </a:fld>
             <a:endParaRPr lang="en-GB"/>
           </a:p>
@@ -2087,7 +2087,7 @@
           <a:p>
             <a:fld id="{82825D99-0552-4D24-87B0-05A25F8D4113}" type="datetimeFigureOut">
               <a:rPr lang="en-GB" smtClean="0"/>
-              <a:t>09/02/2024</a:t>
+              <a:t>28/02/2024</a:t>
             </a:fld>
             <a:endParaRPr lang="en-GB"/>
           </a:p>
@@ -2398,7 +2398,7 @@
           <a:p>
             <a:fld id="{82825D99-0552-4D24-87B0-05A25F8D4113}" type="datetimeFigureOut">
               <a:rPr lang="en-GB" smtClean="0"/>
-              <a:t>09/02/2024</a:t>
+              <a:t>28/02/2024</a:t>
             </a:fld>
             <a:endParaRPr lang="en-GB"/>
           </a:p>
@@ -2686,7 +2686,7 @@
           <a:p>
             <a:fld id="{82825D99-0552-4D24-87B0-05A25F8D4113}" type="datetimeFigureOut">
               <a:rPr lang="en-GB" smtClean="0"/>
-              <a:t>09/02/2024</a:t>
+              <a:t>28/02/2024</a:t>
             </a:fld>
             <a:endParaRPr lang="en-GB"/>
           </a:p>
@@ -2927,7 +2927,7 @@
           <a:p>
             <a:fld id="{82825D99-0552-4D24-87B0-05A25F8D4113}" type="datetimeFigureOut">
               <a:rPr lang="en-GB" smtClean="0"/>
-              <a:t>09/02/2024</a:t>
+              <a:t>28/02/2024</a:t>
             </a:fld>
             <a:endParaRPr lang="en-GB"/>
           </a:p>
